--- a/C++/Tutoring/Lectures/WS-24/Pointers/Pointers.pptx
+++ b/C++/Tutoring/Lectures/WS-24/Pointers/Pointers.pptx
@@ -5,7 +5,7 @@
     <p:sldMasterId id="2147483648" r:id="rId1"/>
   </p:sldMasterIdLst>
   <p:notesMasterIdLst>
-    <p:notesMasterId r:id="rId14"/>
+    <p:notesMasterId r:id="rId19"/>
   </p:notesMasterIdLst>
   <p:sldIdLst>
     <p:sldId id="256" r:id="rId2"/>
@@ -20,6 +20,11 @@
     <p:sldId id="264" r:id="rId11"/>
     <p:sldId id="266" r:id="rId12"/>
     <p:sldId id="268" r:id="rId13"/>
+    <p:sldId id="270" r:id="rId14"/>
+    <p:sldId id="271" r:id="rId15"/>
+    <p:sldId id="272" r:id="rId16"/>
+    <p:sldId id="273" r:id="rId17"/>
+    <p:sldId id="274" r:id="rId18"/>
   </p:sldIdLst>
   <p:sldSz cx="12192000" cy="6858000"/>
   <p:notesSz cx="6858000" cy="9144000"/>
@@ -118,6 +123,11 @@
       </a:defRPr>
     </a:lvl9pPr>
   </p:defaultTextStyle>
+  <p:extLst>
+    <p:ext uri="{EFAFB233-063F-42B5-8137-9DF3F51BA10A}">
+      <p15:sldGuideLst xmlns:p15="http://schemas.microsoft.com/office/powerpoint/2012/main"/>
+    </p:ext>
+  </p:extLst>
 </p:presentation>
 </file>
 
@@ -203,7 +213,7 @@
           <a:p>
             <a:fld id="{338603EC-B1C5-4898-A454-0794F3ABD2AB}" type="datetimeFigureOut">
               <a:rPr lang="de-DE" smtClean="0"/>
-              <a:t>05.09.2024</a:t>
+              <a:t>29.09.2024</a:t>
             </a:fld>
             <a:endParaRPr lang="de-DE"/>
           </a:p>
@@ -873,6 +883,602 @@
           <a:bodyPr/>
           <a:lstStyle/>
           <a:p>
+            <a:r>
+              <a:rPr lang="en-DE" b="1" dirty="0"/>
+              <a:t>An Array of five Pointers to Integer</a:t>
+            </a:r>
+          </a:p>
+          <a:p>
+            <a:endParaRPr lang="en-DE" dirty="0"/>
+          </a:p>
+          <a:p>
+            <a:endParaRPr lang="en-DE" dirty="0"/>
+          </a:p>
+          <a:p>
+            <a:r>
+              <a:rPr lang="de-DE" dirty="0"/>
+              <a:t>#include &lt;</a:t>
+            </a:r>
+            <a:r>
+              <a:rPr lang="de-DE" dirty="0" err="1"/>
+              <a:t>stdio.h</a:t>
+            </a:r>
+            <a:r>
+              <a:rPr lang="de-DE" dirty="0"/>
+              <a:t>&gt;</a:t>
+            </a:r>
+          </a:p>
+          <a:p>
+            <a:endParaRPr lang="de-DE" dirty="0"/>
+          </a:p>
+          <a:p>
+            <a:r>
+              <a:rPr lang="de-DE" dirty="0" err="1"/>
+              <a:t>int</a:t>
+            </a:r>
+            <a:r>
+              <a:rPr lang="de-DE" dirty="0"/>
+              <a:t> </a:t>
+            </a:r>
+            <a:r>
+              <a:rPr lang="de-DE" dirty="0" err="1"/>
+              <a:t>main</a:t>
+            </a:r>
+            <a:r>
+              <a:rPr lang="de-DE" dirty="0"/>
+              <a:t>() {</a:t>
+            </a:r>
+          </a:p>
+          <a:p>
+            <a:r>
+              <a:rPr lang="de-DE" dirty="0"/>
+              <a:t>    // </a:t>
+            </a:r>
+            <a:r>
+              <a:rPr lang="de-DE" dirty="0" err="1"/>
+              <a:t>Declare</a:t>
+            </a:r>
+            <a:r>
+              <a:rPr lang="de-DE" dirty="0"/>
+              <a:t> an </a:t>
+            </a:r>
+            <a:r>
+              <a:rPr lang="de-DE" dirty="0" err="1"/>
+              <a:t>array</a:t>
+            </a:r>
+            <a:r>
+              <a:rPr lang="de-DE" dirty="0"/>
+              <a:t> of 5 integer </a:t>
+            </a:r>
+            <a:r>
+              <a:rPr lang="de-DE" dirty="0" err="1"/>
+              <a:t>pointers</a:t>
+            </a:r>
+            <a:endParaRPr lang="de-DE" dirty="0"/>
+          </a:p>
+          <a:p>
+            <a:r>
+              <a:rPr lang="de-DE" dirty="0"/>
+              <a:t>    </a:t>
+            </a:r>
+            <a:r>
+              <a:rPr lang="de-DE" dirty="0" err="1"/>
+              <a:t>int</a:t>
+            </a:r>
+            <a:r>
+              <a:rPr lang="de-DE" dirty="0"/>
+              <a:t> *</a:t>
+            </a:r>
+            <a:r>
+              <a:rPr lang="de-DE" dirty="0" err="1"/>
+              <a:t>arr</a:t>
+            </a:r>
+            <a:r>
+              <a:rPr lang="de-DE" dirty="0"/>
+              <a:t>[5];</a:t>
+            </a:r>
+          </a:p>
+          <a:p>
+            <a:endParaRPr lang="de-DE" dirty="0"/>
+          </a:p>
+          <a:p>
+            <a:r>
+              <a:rPr lang="de-DE" dirty="0"/>
+              <a:t>    // </a:t>
+            </a:r>
+            <a:r>
+              <a:rPr lang="de-DE" dirty="0" err="1"/>
+              <a:t>Declare</a:t>
+            </a:r>
+            <a:r>
+              <a:rPr lang="de-DE" dirty="0"/>
+              <a:t> </a:t>
+            </a:r>
+            <a:r>
+              <a:rPr lang="de-DE" dirty="0" err="1"/>
+              <a:t>five</a:t>
+            </a:r>
+            <a:r>
+              <a:rPr lang="de-DE" dirty="0"/>
+              <a:t> </a:t>
+            </a:r>
+            <a:r>
+              <a:rPr lang="de-DE" dirty="0" err="1"/>
+              <a:t>integers</a:t>
+            </a:r>
+            <a:endParaRPr lang="de-DE" dirty="0"/>
+          </a:p>
+          <a:p>
+            <a:r>
+              <a:rPr lang="de-DE" dirty="0"/>
+              <a:t>    </a:t>
+            </a:r>
+            <a:r>
+              <a:rPr lang="de-DE" dirty="0" err="1"/>
+              <a:t>int</a:t>
+            </a:r>
+            <a:r>
+              <a:rPr lang="de-DE" dirty="0"/>
+              <a:t> a = 10, b = 20, c = 30, d = 40, e = 50;</a:t>
+            </a:r>
+          </a:p>
+          <a:p>
+            <a:endParaRPr lang="de-DE" dirty="0"/>
+          </a:p>
+          <a:p>
+            <a:r>
+              <a:rPr lang="de-DE" dirty="0"/>
+              <a:t>    // Point the </a:t>
+            </a:r>
+            <a:r>
+              <a:rPr lang="de-DE" dirty="0" err="1"/>
+              <a:t>pointers</a:t>
+            </a:r>
+            <a:r>
+              <a:rPr lang="de-DE" dirty="0"/>
+              <a:t> to the </a:t>
+            </a:r>
+            <a:r>
+              <a:rPr lang="de-DE" dirty="0" err="1"/>
+              <a:t>integers</a:t>
+            </a:r>
+            <a:endParaRPr lang="de-DE" dirty="0"/>
+          </a:p>
+          <a:p>
+            <a:r>
+              <a:rPr lang="de-DE" dirty="0"/>
+              <a:t>    </a:t>
+            </a:r>
+            <a:r>
+              <a:rPr lang="de-DE" dirty="0" err="1"/>
+              <a:t>arr</a:t>
+            </a:r>
+            <a:r>
+              <a:rPr lang="de-DE" dirty="0"/>
+              <a:t>[0] = &amp;a;</a:t>
+            </a:r>
+          </a:p>
+          <a:p>
+            <a:r>
+              <a:rPr lang="de-DE" dirty="0"/>
+              <a:t>    </a:t>
+            </a:r>
+            <a:r>
+              <a:rPr lang="de-DE" dirty="0" err="1"/>
+              <a:t>arr</a:t>
+            </a:r>
+            <a:r>
+              <a:rPr lang="de-DE" dirty="0"/>
+              <a:t>[1] = &amp;b;</a:t>
+            </a:r>
+          </a:p>
+          <a:p>
+            <a:r>
+              <a:rPr lang="de-DE" dirty="0"/>
+              <a:t>    </a:t>
+            </a:r>
+            <a:r>
+              <a:rPr lang="de-DE" dirty="0" err="1"/>
+              <a:t>arr</a:t>
+            </a:r>
+            <a:r>
+              <a:rPr lang="de-DE" dirty="0"/>
+              <a:t>[2] = &amp;c;</a:t>
+            </a:r>
+          </a:p>
+          <a:p>
+            <a:r>
+              <a:rPr lang="de-DE" dirty="0"/>
+              <a:t>    </a:t>
+            </a:r>
+            <a:r>
+              <a:rPr lang="de-DE" dirty="0" err="1"/>
+              <a:t>arr</a:t>
+            </a:r>
+            <a:r>
+              <a:rPr lang="de-DE" dirty="0"/>
+              <a:t>[3] = &amp;d;</a:t>
+            </a:r>
+          </a:p>
+          <a:p>
+            <a:r>
+              <a:rPr lang="de-DE" dirty="0"/>
+              <a:t>    </a:t>
+            </a:r>
+            <a:r>
+              <a:rPr lang="de-DE" dirty="0" err="1"/>
+              <a:t>arr</a:t>
+            </a:r>
+            <a:r>
+              <a:rPr lang="de-DE" dirty="0"/>
+              <a:t>[4] = &amp;e;</a:t>
+            </a:r>
+          </a:p>
+          <a:p>
+            <a:endParaRPr lang="de-DE" dirty="0"/>
+          </a:p>
+          <a:p>
+            <a:r>
+              <a:rPr lang="de-DE" dirty="0"/>
+              <a:t>    // Print </a:t>
+            </a:r>
+            <a:r>
+              <a:rPr lang="de-DE" dirty="0" err="1"/>
+              <a:t>values</a:t>
+            </a:r>
+            <a:r>
+              <a:rPr lang="de-DE" dirty="0"/>
+              <a:t> </a:t>
+            </a:r>
+            <a:r>
+              <a:rPr lang="de-DE" dirty="0" err="1"/>
+              <a:t>using</a:t>
+            </a:r>
+            <a:r>
+              <a:rPr lang="de-DE" dirty="0"/>
+              <a:t> the </a:t>
+            </a:r>
+            <a:r>
+              <a:rPr lang="de-DE" dirty="0" err="1"/>
+              <a:t>pointers</a:t>
+            </a:r>
+            <a:endParaRPr lang="de-DE" dirty="0"/>
+          </a:p>
+          <a:p>
+            <a:r>
+              <a:rPr lang="de-DE" dirty="0"/>
+              <a:t>    </a:t>
+            </a:r>
+            <a:r>
+              <a:rPr lang="de-DE" dirty="0" err="1"/>
+              <a:t>for</a:t>
+            </a:r>
+            <a:r>
+              <a:rPr lang="de-DE" dirty="0"/>
+              <a:t> (</a:t>
+            </a:r>
+            <a:r>
+              <a:rPr lang="de-DE" dirty="0" err="1"/>
+              <a:t>int</a:t>
+            </a:r>
+            <a:r>
+              <a:rPr lang="de-DE" dirty="0"/>
+              <a:t> i = 0; i &lt; 5; i++) {</a:t>
+            </a:r>
+          </a:p>
+          <a:p>
+            <a:r>
+              <a:rPr lang="de-DE" dirty="0"/>
+              <a:t>        </a:t>
+            </a:r>
+            <a:r>
+              <a:rPr lang="de-DE" dirty="0" err="1"/>
+              <a:t>printf</a:t>
+            </a:r>
+            <a:r>
+              <a:rPr lang="de-DE" dirty="0"/>
+              <a:t>("Value </a:t>
+            </a:r>
+            <a:r>
+              <a:rPr lang="de-DE" dirty="0" err="1"/>
+              <a:t>pointed</a:t>
+            </a:r>
+            <a:r>
+              <a:rPr lang="de-DE" dirty="0"/>
+              <a:t> to by </a:t>
+            </a:r>
+            <a:r>
+              <a:rPr lang="de-DE" dirty="0" err="1"/>
+              <a:t>arr</a:t>
+            </a:r>
+            <a:r>
+              <a:rPr lang="de-DE" dirty="0"/>
+              <a:t>[%d] = %d\n", i, *</a:t>
+            </a:r>
+            <a:r>
+              <a:rPr lang="de-DE" dirty="0" err="1"/>
+              <a:t>arr</a:t>
+            </a:r>
+            <a:r>
+              <a:rPr lang="de-DE" dirty="0"/>
+              <a:t>[i]);</a:t>
+            </a:r>
+          </a:p>
+          <a:p>
+            <a:r>
+              <a:rPr lang="de-DE" dirty="0"/>
+              <a:t>    }</a:t>
+            </a:r>
+          </a:p>
+          <a:p>
+            <a:endParaRPr lang="de-DE" dirty="0"/>
+          </a:p>
+          <a:p>
+            <a:r>
+              <a:rPr lang="de-DE" dirty="0"/>
+              <a:t>    </a:t>
+            </a:r>
+            <a:r>
+              <a:rPr lang="de-DE" dirty="0" err="1"/>
+              <a:t>return</a:t>
+            </a:r>
+            <a:r>
+              <a:rPr lang="de-DE" dirty="0"/>
+              <a:t> 0;</a:t>
+            </a:r>
+          </a:p>
+          <a:p>
+            <a:r>
+              <a:rPr lang="de-DE" dirty="0"/>
+              <a:t>}</a:t>
+            </a:r>
+          </a:p>
+          <a:p>
+            <a:endParaRPr lang="en-DE" dirty="0"/>
+          </a:p>
+          <a:p>
+            <a:endParaRPr lang="en-DE" dirty="0"/>
+          </a:p>
+          <a:p>
+            <a:r>
+              <a:rPr lang="en-GB" b="1" dirty="0"/>
+              <a:t>Pointer to an array of five integers</a:t>
+            </a:r>
+          </a:p>
+          <a:p>
+            <a:endParaRPr lang="en-DE" dirty="0"/>
+          </a:p>
+          <a:p>
+            <a:r>
+              <a:rPr lang="en-GB" dirty="0"/>
+              <a:t>#include &lt;</a:t>
+            </a:r>
+            <a:r>
+              <a:rPr lang="en-GB" dirty="0" err="1"/>
+              <a:t>stdio.h</a:t>
+            </a:r>
+            <a:r>
+              <a:rPr lang="en-GB" dirty="0"/>
+              <a:t>&gt;</a:t>
+            </a:r>
+          </a:p>
+          <a:p>
+            <a:endParaRPr lang="en-GB" dirty="0"/>
+          </a:p>
+          <a:p>
+            <a:r>
+              <a:rPr lang="en-GB" dirty="0"/>
+              <a:t>int main() {</a:t>
+            </a:r>
+          </a:p>
+          <a:p>
+            <a:r>
+              <a:rPr lang="en-GB" dirty="0"/>
+              <a:t>    // Declare an array of 5 integers</a:t>
+            </a:r>
+          </a:p>
+          <a:p>
+            <a:r>
+              <a:rPr lang="en-GB" dirty="0"/>
+              <a:t>    int </a:t>
+            </a:r>
+            <a:r>
+              <a:rPr lang="en-GB" dirty="0" err="1"/>
+              <a:t>arr</a:t>
+            </a:r>
+            <a:r>
+              <a:rPr lang="en-GB" dirty="0"/>
+              <a:t>[5] = {10, 20, 30, 40, 50};</a:t>
+            </a:r>
+          </a:p>
+          <a:p>
+            <a:endParaRPr lang="en-GB" dirty="0"/>
+          </a:p>
+          <a:p>
+            <a:r>
+              <a:rPr lang="en-GB" dirty="0"/>
+              <a:t>    // Declare a pointer to an array of 5 integers</a:t>
+            </a:r>
+          </a:p>
+          <a:p>
+            <a:r>
+              <a:rPr lang="en-GB" dirty="0"/>
+              <a:t>    int (*</a:t>
+            </a:r>
+            <a:r>
+              <a:rPr lang="en-GB" dirty="0" err="1"/>
+              <a:t>ptr</a:t>
+            </a:r>
+            <a:r>
+              <a:rPr lang="en-GB" dirty="0"/>
+              <a:t>)[5] = &amp;</a:t>
+            </a:r>
+            <a:r>
+              <a:rPr lang="en-GB" dirty="0" err="1"/>
+              <a:t>arr</a:t>
+            </a:r>
+            <a:r>
+              <a:rPr lang="en-GB" dirty="0"/>
+              <a:t>;</a:t>
+            </a:r>
+          </a:p>
+          <a:p>
+            <a:endParaRPr lang="en-GB" dirty="0"/>
+          </a:p>
+          <a:p>
+            <a:r>
+              <a:rPr lang="en-GB" dirty="0"/>
+              <a:t>    // Print values using the pointer to array</a:t>
+            </a:r>
+          </a:p>
+          <a:p>
+            <a:r>
+              <a:rPr lang="en-GB" dirty="0"/>
+              <a:t>    for (int i = 0; i &lt; 5; i++) {</a:t>
+            </a:r>
+          </a:p>
+          <a:p>
+            <a:r>
+              <a:rPr lang="en-GB" dirty="0"/>
+              <a:t>        </a:t>
+            </a:r>
+            <a:r>
+              <a:rPr lang="en-GB" dirty="0" err="1"/>
+              <a:t>printf</a:t>
+            </a:r>
+            <a:r>
+              <a:rPr lang="en-GB" dirty="0"/>
+              <a:t>("Value of </a:t>
+            </a:r>
+            <a:r>
+              <a:rPr lang="en-GB" dirty="0" err="1"/>
+              <a:t>arr</a:t>
+            </a:r>
+            <a:r>
+              <a:rPr lang="en-GB" dirty="0"/>
+              <a:t>[%d] = %d\n", i, (*</a:t>
+            </a:r>
+            <a:r>
+              <a:rPr lang="en-GB" dirty="0" err="1"/>
+              <a:t>ptr</a:t>
+            </a:r>
+            <a:r>
+              <a:rPr lang="en-GB" dirty="0"/>
+              <a:t>)[i]);</a:t>
+            </a:r>
+          </a:p>
+          <a:p>
+            <a:r>
+              <a:rPr lang="en-GB" dirty="0"/>
+              <a:t>    }</a:t>
+            </a:r>
+          </a:p>
+          <a:p>
+            <a:endParaRPr lang="en-GB" dirty="0"/>
+          </a:p>
+          <a:p>
+            <a:r>
+              <a:rPr lang="en-GB" dirty="0"/>
+              <a:t>    return 0;</a:t>
+            </a:r>
+          </a:p>
+          <a:p>
+            <a:r>
+              <a:rPr lang="en-GB" dirty="0"/>
+              <a:t>}</a:t>
+            </a:r>
+          </a:p>
+          <a:p>
+            <a:endParaRPr lang="en-DE" dirty="0"/>
+          </a:p>
+          <a:p>
+            <a:endParaRPr lang="en-DE" dirty="0"/>
+          </a:p>
+          <a:p>
+            <a:endParaRPr lang="de-DE" dirty="0"/>
+          </a:p>
+        </p:txBody>
+      </p:sp>
+      <p:sp>
+        <p:nvSpPr>
+          <p:cNvPr id="4" name="Slide Number Placeholder 3"/>
+          <p:cNvSpPr>
+            <a:spLocks noGrp="1"/>
+          </p:cNvSpPr>
+          <p:nvPr>
+            <p:ph type="sldNum" sz="quarter" idx="5"/>
+          </p:nvPr>
+        </p:nvSpPr>
+        <p:spPr/>
+        <p:txBody>
+          <a:bodyPr/>
+          <a:lstStyle/>
+          <a:p>
+            <a:fld id="{625F6914-4C2D-4822-BC99-4A28FD14616B}" type="slidenum">
+              <a:rPr lang="de-DE" smtClean="0"/>
+              <a:t>7</a:t>
+            </a:fld>
+            <a:endParaRPr lang="de-DE"/>
+          </a:p>
+        </p:txBody>
+      </p:sp>
+    </p:spTree>
+    <p:extLst>
+      <p:ext uri="{BB962C8B-B14F-4D97-AF65-F5344CB8AC3E}">
+        <p14:creationId xmlns:p14="http://schemas.microsoft.com/office/powerpoint/2010/main" val="6811941"/>
+      </p:ext>
+    </p:extLst>
+  </p:cSld>
+  <p:clrMapOvr>
+    <a:masterClrMapping/>
+  </p:clrMapOvr>
+</p:notes>
+</file>
+
+<file path=ppt/notesSlides/notesSlide5.xml><?xml version="1.0" encoding="utf-8"?>
+<p:notes xmlns:a="http://schemas.openxmlformats.org/drawingml/2006/main" xmlns:r="http://schemas.openxmlformats.org/officeDocument/2006/relationships" xmlns:p="http://schemas.openxmlformats.org/presentationml/2006/main">
+  <p:cSld>
+    <p:spTree>
+      <p:nvGrpSpPr>
+        <p:cNvPr id="1" name=""/>
+        <p:cNvGrpSpPr/>
+        <p:nvPr/>
+      </p:nvGrpSpPr>
+      <p:grpSpPr>
+        <a:xfrm>
+          <a:off x="0" y="0"/>
+          <a:ext cx="0" cy="0"/>
+          <a:chOff x="0" y="0"/>
+          <a:chExt cx="0" cy="0"/>
+        </a:xfrm>
+      </p:grpSpPr>
+      <p:sp>
+        <p:nvSpPr>
+          <p:cNvPr id="2" name="Slide Image Placeholder 1"/>
+          <p:cNvSpPr>
+            <a:spLocks noGrp="1" noRot="1" noChangeAspect="1"/>
+          </p:cNvSpPr>
+          <p:nvPr>
+            <p:ph type="sldImg"/>
+          </p:nvPr>
+        </p:nvSpPr>
+        <p:spPr/>
+      </p:sp>
+      <p:sp>
+        <p:nvSpPr>
+          <p:cNvPr id="3" name="Notes Placeholder 2"/>
+          <p:cNvSpPr>
+            <a:spLocks noGrp="1"/>
+          </p:cNvSpPr>
+          <p:nvPr>
+            <p:ph type="body" idx="1"/>
+          </p:nvPr>
+        </p:nvSpPr>
+        <p:spPr/>
+        <p:txBody>
+          <a:bodyPr/>
+          <a:lstStyle/>
+          <a:p>
             <a:endParaRPr lang="de-DE" dirty="0"/>
           </a:p>
         </p:txBody>
@@ -904,6 +1510,174 @@
     <p:extLst>
       <p:ext uri="{BB962C8B-B14F-4D97-AF65-F5344CB8AC3E}">
         <p14:creationId xmlns:p14="http://schemas.microsoft.com/office/powerpoint/2010/main" val="2095220746"/>
+      </p:ext>
+    </p:extLst>
+  </p:cSld>
+  <p:clrMapOvr>
+    <a:masterClrMapping/>
+  </p:clrMapOvr>
+</p:notes>
+</file>
+
+<file path=ppt/notesSlides/notesSlide6.xml><?xml version="1.0" encoding="utf-8"?>
+<p:notes xmlns:a="http://schemas.openxmlformats.org/drawingml/2006/main" xmlns:r="http://schemas.openxmlformats.org/officeDocument/2006/relationships" xmlns:p="http://schemas.openxmlformats.org/presentationml/2006/main">
+  <p:cSld>
+    <p:spTree>
+      <p:nvGrpSpPr>
+        <p:cNvPr id="1" name=""/>
+        <p:cNvGrpSpPr/>
+        <p:nvPr/>
+      </p:nvGrpSpPr>
+      <p:grpSpPr>
+        <a:xfrm>
+          <a:off x="0" y="0"/>
+          <a:ext cx="0" cy="0"/>
+          <a:chOff x="0" y="0"/>
+          <a:chExt cx="0" cy="0"/>
+        </a:xfrm>
+      </p:grpSpPr>
+      <p:sp>
+        <p:nvSpPr>
+          <p:cNvPr id="2" name="Slide Image Placeholder 1"/>
+          <p:cNvSpPr>
+            <a:spLocks noGrp="1" noRot="1" noChangeAspect="1"/>
+          </p:cNvSpPr>
+          <p:nvPr>
+            <p:ph type="sldImg"/>
+          </p:nvPr>
+        </p:nvSpPr>
+        <p:spPr/>
+      </p:sp>
+      <p:sp>
+        <p:nvSpPr>
+          <p:cNvPr id="3" name="Notes Placeholder 2"/>
+          <p:cNvSpPr>
+            <a:spLocks noGrp="1"/>
+          </p:cNvSpPr>
+          <p:nvPr>
+            <p:ph type="body" idx="1"/>
+          </p:nvPr>
+        </p:nvSpPr>
+        <p:spPr/>
+        <p:txBody>
+          <a:bodyPr/>
+          <a:lstStyle/>
+          <a:p>
+            <a:endParaRPr lang="de-DE" dirty="0"/>
+          </a:p>
+        </p:txBody>
+      </p:sp>
+      <p:sp>
+        <p:nvSpPr>
+          <p:cNvPr id="4" name="Slide Number Placeholder 3"/>
+          <p:cNvSpPr>
+            <a:spLocks noGrp="1"/>
+          </p:cNvSpPr>
+          <p:nvPr>
+            <p:ph type="sldNum" sz="quarter" idx="5"/>
+          </p:nvPr>
+        </p:nvSpPr>
+        <p:spPr/>
+        <p:txBody>
+          <a:bodyPr/>
+          <a:lstStyle/>
+          <a:p>
+            <a:fld id="{625F6914-4C2D-4822-BC99-4A28FD14616B}" type="slidenum">
+              <a:rPr lang="de-DE" smtClean="0"/>
+              <a:t>12</a:t>
+            </a:fld>
+            <a:endParaRPr lang="de-DE"/>
+          </a:p>
+        </p:txBody>
+      </p:sp>
+    </p:spTree>
+    <p:extLst>
+      <p:ext uri="{BB962C8B-B14F-4D97-AF65-F5344CB8AC3E}">
+        <p14:creationId xmlns:p14="http://schemas.microsoft.com/office/powerpoint/2010/main" val="4188093412"/>
+      </p:ext>
+    </p:extLst>
+  </p:cSld>
+  <p:clrMapOvr>
+    <a:masterClrMapping/>
+  </p:clrMapOvr>
+</p:notes>
+</file>
+
+<file path=ppt/notesSlides/notesSlide7.xml><?xml version="1.0" encoding="utf-8"?>
+<p:notes xmlns:a="http://schemas.openxmlformats.org/drawingml/2006/main" xmlns:r="http://schemas.openxmlformats.org/officeDocument/2006/relationships" xmlns:p="http://schemas.openxmlformats.org/presentationml/2006/main">
+  <p:cSld>
+    <p:spTree>
+      <p:nvGrpSpPr>
+        <p:cNvPr id="1" name=""/>
+        <p:cNvGrpSpPr/>
+        <p:nvPr/>
+      </p:nvGrpSpPr>
+      <p:grpSpPr>
+        <a:xfrm>
+          <a:off x="0" y="0"/>
+          <a:ext cx="0" cy="0"/>
+          <a:chOff x="0" y="0"/>
+          <a:chExt cx="0" cy="0"/>
+        </a:xfrm>
+      </p:grpSpPr>
+      <p:sp>
+        <p:nvSpPr>
+          <p:cNvPr id="2" name="Slide Image Placeholder 1"/>
+          <p:cNvSpPr>
+            <a:spLocks noGrp="1" noRot="1" noChangeAspect="1"/>
+          </p:cNvSpPr>
+          <p:nvPr>
+            <p:ph type="sldImg"/>
+          </p:nvPr>
+        </p:nvSpPr>
+        <p:spPr/>
+      </p:sp>
+      <p:sp>
+        <p:nvSpPr>
+          <p:cNvPr id="3" name="Notes Placeholder 2"/>
+          <p:cNvSpPr>
+            <a:spLocks noGrp="1"/>
+          </p:cNvSpPr>
+          <p:nvPr>
+            <p:ph type="body" idx="1"/>
+          </p:nvPr>
+        </p:nvSpPr>
+        <p:spPr/>
+        <p:txBody>
+          <a:bodyPr/>
+          <a:lstStyle/>
+          <a:p>
+            <a:endParaRPr lang="de-DE" dirty="0"/>
+          </a:p>
+        </p:txBody>
+      </p:sp>
+      <p:sp>
+        <p:nvSpPr>
+          <p:cNvPr id="4" name="Slide Number Placeholder 3"/>
+          <p:cNvSpPr>
+            <a:spLocks noGrp="1"/>
+          </p:cNvSpPr>
+          <p:nvPr>
+            <p:ph type="sldNum" sz="quarter" idx="5"/>
+          </p:nvPr>
+        </p:nvSpPr>
+        <p:spPr/>
+        <p:txBody>
+          <a:bodyPr/>
+          <a:lstStyle/>
+          <a:p>
+            <a:fld id="{625F6914-4C2D-4822-BC99-4A28FD14616B}" type="slidenum">
+              <a:rPr lang="de-DE" smtClean="0"/>
+              <a:t>13</a:t>
+            </a:fld>
+            <a:endParaRPr lang="de-DE"/>
+          </a:p>
+        </p:txBody>
+      </p:sp>
+    </p:spTree>
+    <p:extLst>
+      <p:ext uri="{BB962C8B-B14F-4D97-AF65-F5344CB8AC3E}">
+        <p14:creationId xmlns:p14="http://schemas.microsoft.com/office/powerpoint/2010/main" val="465598331"/>
       </p:ext>
     </p:extLst>
   </p:cSld>
@@ -1062,7 +1836,7 @@
           <a:p>
             <a:fld id="{714C94C9-C91D-4F92-902C-EED1B03E00A7}" type="datetimeFigureOut">
               <a:rPr lang="de-DE" smtClean="0"/>
-              <a:t>05.09.2024</a:t>
+              <a:t>29.09.2024</a:t>
             </a:fld>
             <a:endParaRPr lang="de-DE"/>
           </a:p>
@@ -1262,7 +2036,7 @@
           <a:p>
             <a:fld id="{714C94C9-C91D-4F92-902C-EED1B03E00A7}" type="datetimeFigureOut">
               <a:rPr lang="de-DE" smtClean="0"/>
-              <a:t>05.09.2024</a:t>
+              <a:t>29.09.2024</a:t>
             </a:fld>
             <a:endParaRPr lang="de-DE"/>
           </a:p>
@@ -1472,7 +2246,7 @@
           <a:p>
             <a:fld id="{714C94C9-C91D-4F92-902C-EED1B03E00A7}" type="datetimeFigureOut">
               <a:rPr lang="de-DE" smtClean="0"/>
-              <a:t>05.09.2024</a:t>
+              <a:t>29.09.2024</a:t>
             </a:fld>
             <a:endParaRPr lang="de-DE"/>
           </a:p>
@@ -1672,7 +2446,7 @@
           <a:p>
             <a:fld id="{714C94C9-C91D-4F92-902C-EED1B03E00A7}" type="datetimeFigureOut">
               <a:rPr lang="de-DE" smtClean="0"/>
-              <a:t>05.09.2024</a:t>
+              <a:t>29.09.2024</a:t>
             </a:fld>
             <a:endParaRPr lang="de-DE"/>
           </a:p>
@@ -1948,7 +2722,7 @@
           <a:p>
             <a:fld id="{714C94C9-C91D-4F92-902C-EED1B03E00A7}" type="datetimeFigureOut">
               <a:rPr lang="de-DE" smtClean="0"/>
-              <a:t>05.09.2024</a:t>
+              <a:t>29.09.2024</a:t>
             </a:fld>
             <a:endParaRPr lang="de-DE"/>
           </a:p>
@@ -2216,7 +2990,7 @@
           <a:p>
             <a:fld id="{714C94C9-C91D-4F92-902C-EED1B03E00A7}" type="datetimeFigureOut">
               <a:rPr lang="de-DE" smtClean="0"/>
-              <a:t>05.09.2024</a:t>
+              <a:t>29.09.2024</a:t>
             </a:fld>
             <a:endParaRPr lang="de-DE"/>
           </a:p>
@@ -2631,7 +3405,7 @@
           <a:p>
             <a:fld id="{714C94C9-C91D-4F92-902C-EED1B03E00A7}" type="datetimeFigureOut">
               <a:rPr lang="de-DE" smtClean="0"/>
-              <a:t>05.09.2024</a:t>
+              <a:t>29.09.2024</a:t>
             </a:fld>
             <a:endParaRPr lang="de-DE"/>
           </a:p>
@@ -2773,7 +3547,7 @@
           <a:p>
             <a:fld id="{714C94C9-C91D-4F92-902C-EED1B03E00A7}" type="datetimeFigureOut">
               <a:rPr lang="de-DE" smtClean="0"/>
-              <a:t>05.09.2024</a:t>
+              <a:t>29.09.2024</a:t>
             </a:fld>
             <a:endParaRPr lang="de-DE"/>
           </a:p>
@@ -2886,7 +3660,7 @@
           <a:p>
             <a:fld id="{714C94C9-C91D-4F92-902C-EED1B03E00A7}" type="datetimeFigureOut">
               <a:rPr lang="de-DE" smtClean="0"/>
-              <a:t>05.09.2024</a:t>
+              <a:t>29.09.2024</a:t>
             </a:fld>
             <a:endParaRPr lang="de-DE"/>
           </a:p>
@@ -3199,7 +3973,7 @@
           <a:p>
             <a:fld id="{714C94C9-C91D-4F92-902C-EED1B03E00A7}" type="datetimeFigureOut">
               <a:rPr lang="de-DE" smtClean="0"/>
-              <a:t>05.09.2024</a:t>
+              <a:t>29.09.2024</a:t>
             </a:fld>
             <a:endParaRPr lang="de-DE"/>
           </a:p>
@@ -3488,7 +4262,7 @@
           <a:p>
             <a:fld id="{714C94C9-C91D-4F92-902C-EED1B03E00A7}" type="datetimeFigureOut">
               <a:rPr lang="de-DE" smtClean="0"/>
-              <a:t>05.09.2024</a:t>
+              <a:t>29.09.2024</a:t>
             </a:fld>
             <a:endParaRPr lang="de-DE"/>
           </a:p>
@@ -3731,7 +4505,7 @@
           <a:p>
             <a:fld id="{714C94C9-C91D-4F92-902C-EED1B03E00A7}" type="datetimeFigureOut">
               <a:rPr lang="de-DE" smtClean="0"/>
-              <a:t>05.09.2024</a:t>
+              <a:t>29.09.2024</a:t>
             </a:fld>
             <a:endParaRPr lang="de-DE"/>
           </a:p>
@@ -5693,6 +6467,302 @@
 </p:sld>
 </file>
 
+<file path=ppt/slides/slide13.xml><?xml version="1.0" encoding="utf-8"?>
+<p:sld xmlns:a="http://schemas.openxmlformats.org/drawingml/2006/main" xmlns:r="http://schemas.openxmlformats.org/officeDocument/2006/relationships" xmlns:p="http://schemas.openxmlformats.org/presentationml/2006/main">
+  <p:cSld>
+    <p:spTree>
+      <p:nvGrpSpPr>
+        <p:cNvPr id="1" name=""/>
+        <p:cNvGrpSpPr/>
+        <p:nvPr/>
+      </p:nvGrpSpPr>
+      <p:grpSpPr>
+        <a:xfrm>
+          <a:off x="0" y="0"/>
+          <a:ext cx="0" cy="0"/>
+          <a:chOff x="0" y="0"/>
+          <a:chExt cx="0" cy="0"/>
+        </a:xfrm>
+      </p:grpSpPr>
+      <p:pic>
+        <p:nvPicPr>
+          <p:cNvPr id="7" name="Picture 6">
+            <a:extLst>
+              <a:ext uri="{FF2B5EF4-FFF2-40B4-BE49-F238E27FC236}">
+                <a16:creationId xmlns:a16="http://schemas.microsoft.com/office/drawing/2014/main" id="{AA8BF09D-CB2F-98C8-7B9C-F0B1B86CC9DC}"/>
+              </a:ext>
+            </a:extLst>
+          </p:cNvPr>
+          <p:cNvPicPr>
+            <a:picLocks noChangeAspect="1"/>
+          </p:cNvPicPr>
+          <p:nvPr/>
+        </p:nvPicPr>
+        <p:blipFill>
+          <a:blip r:embed="rId3"/>
+          <a:stretch>
+            <a:fillRect/>
+          </a:stretch>
+        </p:blipFill>
+        <p:spPr>
+          <a:xfrm>
+            <a:off x="132150" y="25400"/>
+            <a:ext cx="11927700" cy="6832600"/>
+          </a:xfrm>
+          <a:prstGeom prst="rect">
+            <a:avLst/>
+          </a:prstGeom>
+        </p:spPr>
+      </p:pic>
+    </p:spTree>
+    <p:extLst>
+      <p:ext uri="{BB962C8B-B14F-4D97-AF65-F5344CB8AC3E}">
+        <p14:creationId xmlns:p14="http://schemas.microsoft.com/office/powerpoint/2010/main" val="1731609166"/>
+      </p:ext>
+    </p:extLst>
+  </p:cSld>
+  <p:clrMapOvr>
+    <a:masterClrMapping/>
+  </p:clrMapOvr>
+</p:sld>
+</file>
+
+<file path=ppt/slides/slide14.xml><?xml version="1.0" encoding="utf-8"?>
+<p:sld xmlns:a="http://schemas.openxmlformats.org/drawingml/2006/main" xmlns:r="http://schemas.openxmlformats.org/officeDocument/2006/relationships" xmlns:p="http://schemas.openxmlformats.org/presentationml/2006/main">
+  <p:cSld>
+    <p:spTree>
+      <p:nvGrpSpPr>
+        <p:cNvPr id="1" name=""/>
+        <p:cNvGrpSpPr/>
+        <p:nvPr/>
+      </p:nvGrpSpPr>
+      <p:grpSpPr>
+        <a:xfrm>
+          <a:off x="0" y="0"/>
+          <a:ext cx="0" cy="0"/>
+          <a:chOff x="0" y="0"/>
+          <a:chExt cx="0" cy="0"/>
+        </a:xfrm>
+      </p:grpSpPr>
+      <p:pic>
+        <p:nvPicPr>
+          <p:cNvPr id="5" name="Content Placeholder 4">
+            <a:extLst>
+              <a:ext uri="{FF2B5EF4-FFF2-40B4-BE49-F238E27FC236}">
+                <a16:creationId xmlns:a16="http://schemas.microsoft.com/office/drawing/2014/main" id="{1700171E-671E-5B98-9618-5DEC7263E5D2}"/>
+              </a:ext>
+            </a:extLst>
+          </p:cNvPr>
+          <p:cNvPicPr>
+            <a:picLocks noGrp="1" noChangeAspect="1"/>
+          </p:cNvPicPr>
+          <p:nvPr>
+            <p:ph idx="1"/>
+          </p:nvPr>
+        </p:nvPicPr>
+        <p:blipFill>
+          <a:blip r:embed="rId2"/>
+          <a:stretch>
+            <a:fillRect/>
+          </a:stretch>
+        </p:blipFill>
+        <p:spPr>
+          <a:xfrm>
+            <a:off x="1851389" y="0"/>
+            <a:ext cx="8489222" cy="6858000"/>
+          </a:xfrm>
+        </p:spPr>
+      </p:pic>
+    </p:spTree>
+    <p:extLst>
+      <p:ext uri="{BB962C8B-B14F-4D97-AF65-F5344CB8AC3E}">
+        <p14:creationId xmlns:p14="http://schemas.microsoft.com/office/powerpoint/2010/main" val="2454651969"/>
+      </p:ext>
+    </p:extLst>
+  </p:cSld>
+  <p:clrMapOvr>
+    <a:masterClrMapping/>
+  </p:clrMapOvr>
+</p:sld>
+</file>
+
+<file path=ppt/slides/slide15.xml><?xml version="1.0" encoding="utf-8"?>
+<p:sld xmlns:a="http://schemas.openxmlformats.org/drawingml/2006/main" xmlns:r="http://schemas.openxmlformats.org/officeDocument/2006/relationships" xmlns:p="http://schemas.openxmlformats.org/presentationml/2006/main">
+  <p:cSld>
+    <p:spTree>
+      <p:nvGrpSpPr>
+        <p:cNvPr id="1" name=""/>
+        <p:cNvGrpSpPr/>
+        <p:nvPr/>
+      </p:nvGrpSpPr>
+      <p:grpSpPr>
+        <a:xfrm>
+          <a:off x="0" y="0"/>
+          <a:ext cx="0" cy="0"/>
+          <a:chOff x="0" y="0"/>
+          <a:chExt cx="0" cy="0"/>
+        </a:xfrm>
+      </p:grpSpPr>
+      <p:pic>
+        <p:nvPicPr>
+          <p:cNvPr id="5" name="Content Placeholder 4">
+            <a:extLst>
+              <a:ext uri="{FF2B5EF4-FFF2-40B4-BE49-F238E27FC236}">
+                <a16:creationId xmlns:a16="http://schemas.microsoft.com/office/drawing/2014/main" id="{384356E3-551C-5B0E-6E85-E8BCFC6D2F2D}"/>
+              </a:ext>
+            </a:extLst>
+          </p:cNvPr>
+          <p:cNvPicPr>
+            <a:picLocks noGrp="1" noChangeAspect="1"/>
+          </p:cNvPicPr>
+          <p:nvPr>
+            <p:ph idx="1"/>
+          </p:nvPr>
+        </p:nvPicPr>
+        <p:blipFill>
+          <a:blip r:embed="rId2"/>
+          <a:stretch>
+            <a:fillRect/>
+          </a:stretch>
+        </p:blipFill>
+        <p:spPr>
+          <a:xfrm>
+            <a:off x="2934711" y="0"/>
+            <a:ext cx="6322578" cy="6862213"/>
+          </a:xfrm>
+        </p:spPr>
+      </p:pic>
+    </p:spTree>
+    <p:extLst>
+      <p:ext uri="{BB962C8B-B14F-4D97-AF65-F5344CB8AC3E}">
+        <p14:creationId xmlns:p14="http://schemas.microsoft.com/office/powerpoint/2010/main" val="1199800248"/>
+      </p:ext>
+    </p:extLst>
+  </p:cSld>
+  <p:clrMapOvr>
+    <a:masterClrMapping/>
+  </p:clrMapOvr>
+</p:sld>
+</file>
+
+<file path=ppt/slides/slide16.xml><?xml version="1.0" encoding="utf-8"?>
+<p:sld xmlns:a="http://schemas.openxmlformats.org/drawingml/2006/main" xmlns:r="http://schemas.openxmlformats.org/officeDocument/2006/relationships" xmlns:p="http://schemas.openxmlformats.org/presentationml/2006/main">
+  <p:cSld>
+    <p:spTree>
+      <p:nvGrpSpPr>
+        <p:cNvPr id="1" name=""/>
+        <p:cNvGrpSpPr/>
+        <p:nvPr/>
+      </p:nvGrpSpPr>
+      <p:grpSpPr>
+        <a:xfrm>
+          <a:off x="0" y="0"/>
+          <a:ext cx="0" cy="0"/>
+          <a:chOff x="0" y="0"/>
+          <a:chExt cx="0" cy="0"/>
+        </a:xfrm>
+      </p:grpSpPr>
+      <p:pic>
+        <p:nvPicPr>
+          <p:cNvPr id="5" name="Content Placeholder 4">
+            <a:extLst>
+              <a:ext uri="{FF2B5EF4-FFF2-40B4-BE49-F238E27FC236}">
+                <a16:creationId xmlns:a16="http://schemas.microsoft.com/office/drawing/2014/main" id="{D4384839-430A-B9D9-C9FA-13E0AC978D76}"/>
+              </a:ext>
+            </a:extLst>
+          </p:cNvPr>
+          <p:cNvPicPr>
+            <a:picLocks noGrp="1" noChangeAspect="1"/>
+          </p:cNvPicPr>
+          <p:nvPr>
+            <p:ph idx="1"/>
+          </p:nvPr>
+        </p:nvPicPr>
+        <p:blipFill>
+          <a:blip r:embed="rId2"/>
+          <a:stretch>
+            <a:fillRect/>
+          </a:stretch>
+        </p:blipFill>
+        <p:spPr>
+          <a:xfrm>
+            <a:off x="159398" y="0"/>
+            <a:ext cx="11873203" cy="6858000"/>
+          </a:xfrm>
+        </p:spPr>
+      </p:pic>
+    </p:spTree>
+    <p:extLst>
+      <p:ext uri="{BB962C8B-B14F-4D97-AF65-F5344CB8AC3E}">
+        <p14:creationId xmlns:p14="http://schemas.microsoft.com/office/powerpoint/2010/main" val="1251425579"/>
+      </p:ext>
+    </p:extLst>
+  </p:cSld>
+  <p:clrMapOvr>
+    <a:masterClrMapping/>
+  </p:clrMapOvr>
+</p:sld>
+</file>
+
+<file path=ppt/slides/slide17.xml><?xml version="1.0" encoding="utf-8"?>
+<p:sld xmlns:a="http://schemas.openxmlformats.org/drawingml/2006/main" xmlns:r="http://schemas.openxmlformats.org/officeDocument/2006/relationships" xmlns:p="http://schemas.openxmlformats.org/presentationml/2006/main">
+  <p:cSld>
+    <p:spTree>
+      <p:nvGrpSpPr>
+        <p:cNvPr id="1" name=""/>
+        <p:cNvGrpSpPr/>
+        <p:nvPr/>
+      </p:nvGrpSpPr>
+      <p:grpSpPr>
+        <a:xfrm>
+          <a:off x="0" y="0"/>
+          <a:ext cx="0" cy="0"/>
+          <a:chOff x="0" y="0"/>
+          <a:chExt cx="0" cy="0"/>
+        </a:xfrm>
+      </p:grpSpPr>
+      <p:pic>
+        <p:nvPicPr>
+          <p:cNvPr id="5" name="Content Placeholder 4">
+            <a:extLst>
+              <a:ext uri="{FF2B5EF4-FFF2-40B4-BE49-F238E27FC236}">
+                <a16:creationId xmlns:a16="http://schemas.microsoft.com/office/drawing/2014/main" id="{FAB340B9-588D-C502-044C-D2FACDCD7FFB}"/>
+              </a:ext>
+            </a:extLst>
+          </p:cNvPr>
+          <p:cNvPicPr>
+            <a:picLocks noGrp="1" noChangeAspect="1"/>
+          </p:cNvPicPr>
+          <p:nvPr>
+            <p:ph idx="1"/>
+          </p:nvPr>
+        </p:nvPicPr>
+        <p:blipFill>
+          <a:blip r:embed="rId2"/>
+          <a:stretch>
+            <a:fillRect/>
+          </a:stretch>
+        </p:blipFill>
+        <p:spPr>
+          <a:xfrm>
+            <a:off x="1494527" y="59097"/>
+            <a:ext cx="9202946" cy="6739805"/>
+          </a:xfrm>
+        </p:spPr>
+      </p:pic>
+    </p:spTree>
+    <p:extLst>
+      <p:ext uri="{BB962C8B-B14F-4D97-AF65-F5344CB8AC3E}">
+        <p14:creationId xmlns:p14="http://schemas.microsoft.com/office/powerpoint/2010/main" val="4181644962"/>
+      </p:ext>
+    </p:extLst>
+  </p:cSld>
+  <p:clrMapOvr>
+    <a:masterClrMapping/>
+  </p:clrMapOvr>
+</p:sld>
+</file>
+
 <file path=ppt/slides/slide2.xml><?xml version="1.0" encoding="utf-8"?>
 <p:sld xmlns:a="http://schemas.openxmlformats.org/drawingml/2006/main" xmlns:r="http://schemas.openxmlformats.org/officeDocument/2006/relationships" xmlns:p="http://schemas.openxmlformats.org/presentationml/2006/main">
   <p:cSld>
@@ -6415,7 +7485,7 @@
           <p:nvPr/>
         </p:nvPicPr>
         <p:blipFill>
-          <a:blip r:embed="rId2"/>
+          <a:blip r:embed="rId3"/>
           <a:stretch>
             <a:fillRect/>
           </a:stretch>
